--- a/Coding in Physics.pptx
+++ b/Coding in Physics.pptx
@@ -128,7 +128,7 @@
 <file path=ppt/revisionInfo.xml><?xml version="1.0" encoding="utf-8"?>
 <p1510:revInfo xmlns:a="http://schemas.openxmlformats.org/drawingml/2006/main" xmlns:r="http://schemas.openxmlformats.org/officeDocument/2006/relationships" xmlns:p1510="http://schemas.microsoft.com/office/powerpoint/2015/10/main">
   <p1510:revLst>
-    <p1510:client id="{5DAD144B-261B-457C-9B6A-6B3FDDB99EFC}" v="1" dt="2023-10-20T17:56:56.764"/>
+    <p1510:client id="{5DAD144B-261B-457C-9B6A-6B3FDDB99EFC}" v="23" dt="2023-10-20T18:04:13.472"/>
     <p1510:client id="{FD35D549-06C9-49DD-956E-9CF9B1292E10}" v="37" dt="2023-10-20T16:47:57.641"/>
   </p1510:revLst>
 </p1510:revInfo>
@@ -139,10 +139,40 @@
   <pc:docChgLst>
     <pc:chgData name="Colby Dennis" userId="e3a85a737daae704" providerId="LiveId" clId="{5DAD144B-261B-457C-9B6A-6B3FDDB99EFC}"/>
     <pc:docChg chg="custSel modSld">
-      <pc:chgData name="Colby Dennis" userId="e3a85a737daae704" providerId="LiveId" clId="{5DAD144B-261B-457C-9B6A-6B3FDDB99EFC}" dt="2023-10-20T17:57:06.590" v="14" actId="1076"/>
+      <pc:chgData name="Colby Dennis" userId="e3a85a737daae704" providerId="LiveId" clId="{5DAD144B-261B-457C-9B6A-6B3FDDB99EFC}" dt="2023-10-20T19:07:04.548" v="38" actId="478"/>
       <pc:docMkLst>
         <pc:docMk/>
       </pc:docMkLst>
+      <pc:sldChg chg="modSp">
+        <pc:chgData name="Colby Dennis" userId="e3a85a737daae704" providerId="LiveId" clId="{5DAD144B-261B-457C-9B6A-6B3FDDB99EFC}" dt="2023-10-20T18:04:13.470" v="36" actId="20577"/>
+        <pc:sldMkLst>
+          <pc:docMk/>
+          <pc:sldMk cId="569910762" sldId="259"/>
+        </pc:sldMkLst>
+        <pc:graphicFrameChg chg="mod">
+          <ac:chgData name="Colby Dennis" userId="e3a85a737daae704" providerId="LiveId" clId="{5DAD144B-261B-457C-9B6A-6B3FDDB99EFC}" dt="2023-10-20T18:04:13.470" v="36" actId="20577"/>
+          <ac:graphicFrameMkLst>
+            <pc:docMk/>
+            <pc:sldMk cId="569910762" sldId="259"/>
+            <ac:graphicFrameMk id="4" creationId="{143B29DF-305C-A4C6-CE4F-998D030829D1}"/>
+          </ac:graphicFrameMkLst>
+        </pc:graphicFrameChg>
+      </pc:sldChg>
+      <pc:sldChg chg="addSp delSp mod">
+        <pc:chgData name="Colby Dennis" userId="e3a85a737daae704" providerId="LiveId" clId="{5DAD144B-261B-457C-9B6A-6B3FDDB99EFC}" dt="2023-10-20T19:07:04.548" v="38" actId="478"/>
+        <pc:sldMkLst>
+          <pc:docMk/>
+          <pc:sldMk cId="3203184998" sldId="267"/>
+        </pc:sldMkLst>
+        <pc:spChg chg="add del">
+          <ac:chgData name="Colby Dennis" userId="e3a85a737daae704" providerId="LiveId" clId="{5DAD144B-261B-457C-9B6A-6B3FDDB99EFC}" dt="2023-10-20T19:07:04.548" v="38" actId="478"/>
+          <ac:spMkLst>
+            <pc:docMk/>
+            <pc:sldMk cId="3203184998" sldId="267"/>
+            <ac:spMk id="5" creationId="{53A5B7B0-9998-DDAF-B657-1B7A2362AB53}"/>
+          </ac:spMkLst>
+        </pc:spChg>
+      </pc:sldChg>
       <pc:sldChg chg="addSp delSp modSp mod">
         <pc:chgData name="Colby Dennis" userId="e3a85a737daae704" providerId="LiveId" clId="{5DAD144B-261B-457C-9B6A-6B3FDDB99EFC}" dt="2023-10-20T17:57:06.590" v="14" actId="1076"/>
         <pc:sldMkLst>
@@ -5788,7 +5818,7 @@
         <a:p>
           <a:r>
             <a:rPr lang="en-US" dirty="0"/>
-            <a:t>C++ and Fortran</a:t>
+            <a:t>C++</a:t>
           </a:r>
         </a:p>
       </dgm:t>
@@ -5815,7 +5845,7 @@
         </a:p>
       </dgm:t>
     </dgm:pt>
-    <dgm:pt modelId="{86DE0E56-080D-4B88-9E71-DA788DCDE75C}">
+    <dgm:pt modelId="{6613BA33-1F05-406D-9163-F181E4C9090D}">
       <dgm:prSet phldrT="[Text]"/>
       <dgm:spPr/>
       <dgm:t>
@@ -5824,34 +5854,20 @@
         <a:p>
           <a:r>
             <a:rPr lang="en-US" dirty="0"/>
-            <a:t>Download the GNU Compiler found at https://gcc.gnu.org/</a:t>
+            <a:t>https://www.freecodecamp.org/news/how-to-install-c-and-cpp-compiler-on-windows/</a:t>
           </a:r>
         </a:p>
       </dgm:t>
     </dgm:pt>
-    <dgm:pt modelId="{AB54B169-3140-4C2E-A841-B4B352C1C7CD}" type="parTrans" cxnId="{E778B532-E79A-43C3-ADD7-BFEED1B889E8}">
+    <dgm:pt modelId="{63E563C4-5D85-4D8D-B16D-1B96268D85FB}" type="parTrans" cxnId="{93CB4140-4D51-4E4C-B123-358143C291A6}">
       <dgm:prSet/>
       <dgm:spPr/>
-      <dgm:t>
-        <a:bodyPr/>
-        <a:lstStyle/>
-        <a:p>
-          <a:endParaRPr lang="en-US"/>
-        </a:p>
-      </dgm:t>
     </dgm:pt>
-    <dgm:pt modelId="{CE3AD38B-9B0A-41F8-9078-E35F3348CC70}" type="sibTrans" cxnId="{E778B532-E79A-43C3-ADD7-BFEED1B889E8}">
+    <dgm:pt modelId="{0B297500-3A5B-4C1E-A67B-2F1AAD75DD02}" type="sibTrans" cxnId="{93CB4140-4D51-4E4C-B123-358143C291A6}">
       <dgm:prSet/>
       <dgm:spPr/>
-      <dgm:t>
-        <a:bodyPr/>
-        <a:lstStyle/>
-        <a:p>
-          <a:endParaRPr lang="en-US"/>
-        </a:p>
-      </dgm:t>
     </dgm:pt>
-    <dgm:pt modelId="{CC098EE2-4D55-4C7D-8792-1F0387318DF3}">
+    <dgm:pt modelId="{B0BF85D7-6EE0-4374-90EA-3A6DAD8791E8}">
       <dgm:prSet phldrT="[Text]"/>
       <dgm:spPr/>
       <dgm:t>
@@ -5860,16 +5876,38 @@
         <a:p>
           <a:r>
             <a:rPr lang="en-US" dirty="0"/>
-            <a:t>Download the syntax highlighter in VS Code for your language.</a:t>
+            <a:t>Fortran</a:t>
           </a:r>
         </a:p>
       </dgm:t>
     </dgm:pt>
-    <dgm:pt modelId="{98EF198B-8D50-4016-BD84-C8E958E0F4CF}" type="parTrans" cxnId="{94CBD61D-31B9-4620-B7B5-05D72344ED2D}">
+    <dgm:pt modelId="{5A38E594-F47A-4DEA-98F6-3CC17D2CB660}" type="parTrans" cxnId="{15D7F0AD-879A-4A40-A8C7-4D4B68C2FF7C}">
       <dgm:prSet/>
       <dgm:spPr/>
     </dgm:pt>
-    <dgm:pt modelId="{0D1AE3B0-8359-43DC-9928-D5CFA94970FE}" type="sibTrans" cxnId="{94CBD61D-31B9-4620-B7B5-05D72344ED2D}">
+    <dgm:pt modelId="{777253D9-BA61-445C-AAF7-0E8AED2C2E70}" type="sibTrans" cxnId="{15D7F0AD-879A-4A40-A8C7-4D4B68C2FF7C}">
+      <dgm:prSet/>
+      <dgm:spPr/>
+    </dgm:pt>
+    <dgm:pt modelId="{42D3B941-7805-4DBD-8BA5-C744DFDF1A67}">
+      <dgm:prSet phldrT="[Text]"/>
+      <dgm:spPr/>
+      <dgm:t>
+        <a:bodyPr/>
+        <a:lstStyle/>
+        <a:p>
+          <a:r>
+            <a:rPr lang="en-US" dirty="0"/>
+            <a:t>https://fortran-lang.org/learn/os_setup/install_gfortran/</a:t>
+          </a:r>
+        </a:p>
+      </dgm:t>
+    </dgm:pt>
+    <dgm:pt modelId="{569082D2-F416-46F0-AA34-CDABA4E9615B}" type="parTrans" cxnId="{031E2624-8120-4530-827C-C0AAA420716F}">
+      <dgm:prSet/>
+      <dgm:spPr/>
+    </dgm:pt>
+    <dgm:pt modelId="{0FF83250-B6AA-40BE-97C0-9D16667D699C}" type="sibTrans" cxnId="{031E2624-8120-4530-827C-C0AAA420716F}">
       <dgm:prSet/>
       <dgm:spPr/>
     </dgm:pt>
@@ -5883,7 +5921,7 @@
       <dgm:spPr/>
     </dgm:pt>
     <dgm:pt modelId="{9DD518BC-8D07-4A6C-ADB5-C3F1E841D81D}" type="pres">
-      <dgm:prSet presAssocID="{C64BC977-182F-4D83-AE25-BF44B3370B79}" presName="parentText" presStyleLbl="node1" presStyleIdx="0" presStyleCnt="2">
+      <dgm:prSet presAssocID="{C64BC977-182F-4D83-AE25-BF44B3370B79}" presName="parentText" presStyleLbl="node1" presStyleIdx="0" presStyleCnt="3">
         <dgm:presLayoutVars>
           <dgm:chMax val="0"/>
           <dgm:bulletEnabled val="1"/>
@@ -5892,7 +5930,7 @@
       <dgm:spPr/>
     </dgm:pt>
     <dgm:pt modelId="{092C133E-578D-49CE-810B-5494DC97041F}" type="pres">
-      <dgm:prSet presAssocID="{C64BC977-182F-4D83-AE25-BF44B3370B79}" presName="childText" presStyleLbl="revTx" presStyleIdx="0" presStyleCnt="2">
+      <dgm:prSet presAssocID="{C64BC977-182F-4D83-AE25-BF44B3370B79}" presName="childText" presStyleLbl="revTx" presStyleIdx="0" presStyleCnt="3">
         <dgm:presLayoutVars>
           <dgm:bulletEnabled val="1"/>
         </dgm:presLayoutVars>
@@ -5900,7 +5938,7 @@
       <dgm:spPr/>
     </dgm:pt>
     <dgm:pt modelId="{CE2EBFA5-23B1-4617-AD98-9E0835096CCA}" type="pres">
-      <dgm:prSet presAssocID="{A822F659-3CB0-445E-AEF5-1F974B32D8F7}" presName="parentText" presStyleLbl="node1" presStyleIdx="1" presStyleCnt="2">
+      <dgm:prSet presAssocID="{A822F659-3CB0-445E-AEF5-1F974B32D8F7}" presName="parentText" presStyleLbl="node1" presStyleIdx="1" presStyleCnt="3">
         <dgm:presLayoutVars>
           <dgm:chMax val="0"/>
           <dgm:bulletEnabled val="1"/>
@@ -5908,8 +5946,25 @@
       </dgm:prSet>
       <dgm:spPr/>
     </dgm:pt>
-    <dgm:pt modelId="{A28EFB82-D285-4359-9C9A-F3042F6C8CFA}" type="pres">
-      <dgm:prSet presAssocID="{A822F659-3CB0-445E-AEF5-1F974B32D8F7}" presName="childText" presStyleLbl="revTx" presStyleIdx="1" presStyleCnt="2">
+    <dgm:pt modelId="{322DE7B2-9420-4A01-8081-70D997895A60}" type="pres">
+      <dgm:prSet presAssocID="{A822F659-3CB0-445E-AEF5-1F974B32D8F7}" presName="childText" presStyleLbl="revTx" presStyleIdx="1" presStyleCnt="3">
+        <dgm:presLayoutVars>
+          <dgm:bulletEnabled val="1"/>
+        </dgm:presLayoutVars>
+      </dgm:prSet>
+      <dgm:spPr/>
+    </dgm:pt>
+    <dgm:pt modelId="{4B737DFF-6B07-49AD-B2D4-B64F0337EB8E}" type="pres">
+      <dgm:prSet presAssocID="{B0BF85D7-6EE0-4374-90EA-3A6DAD8791E8}" presName="parentText" presStyleLbl="node1" presStyleIdx="2" presStyleCnt="3">
+        <dgm:presLayoutVars>
+          <dgm:chMax val="0"/>
+          <dgm:bulletEnabled val="1"/>
+        </dgm:presLayoutVars>
+      </dgm:prSet>
+      <dgm:spPr/>
+    </dgm:pt>
+    <dgm:pt modelId="{133125C8-8256-4FEC-A610-2CE4860A81B0}" type="pres">
+      <dgm:prSet presAssocID="{B0BF85D7-6EE0-4374-90EA-3A6DAD8791E8}" presName="childText" presStyleLbl="revTx" presStyleIdx="2" presStyleCnt="3">
         <dgm:presLayoutVars>
           <dgm:bulletEnabled val="1"/>
         </dgm:presLayoutVars>
@@ -5919,20 +5974,24 @@
   </dgm:ptLst>
   <dgm:cxnLst>
     <dgm:cxn modelId="{F2628800-6101-4357-9B3A-DCCE177C24ED}" srcId="{C64BC977-182F-4D83-AE25-BF44B3370B79}" destId="{3543483F-15D9-464D-A2A6-88AE40805DD4}" srcOrd="0" destOrd="0" parTransId="{FD5E91B0-8ABF-4A7E-B0E0-29C053E2405B}" sibTransId="{A60E757D-C050-4E75-9E42-C0F38D4AABDF}"/>
+    <dgm:cxn modelId="{7CE1420B-D7E4-4D1B-8882-BC0E8BA7F430}" type="presOf" srcId="{6613BA33-1F05-406D-9163-F181E4C9090D}" destId="{322DE7B2-9420-4A01-8081-70D997895A60}" srcOrd="0" destOrd="0" presId="urn:microsoft.com/office/officeart/2005/8/layout/vList2"/>
     <dgm:cxn modelId="{E2EC4210-A84F-4106-A5F5-54BEC90E2198}" type="presOf" srcId="{A822F659-3CB0-445E-AEF5-1F974B32D8F7}" destId="{CE2EBFA5-23B1-4617-AD98-9E0835096CCA}" srcOrd="0" destOrd="0" presId="urn:microsoft.com/office/officeart/2005/8/layout/vList2"/>
-    <dgm:cxn modelId="{05A35319-7EB1-4522-BCB1-5D06C33516A6}" type="presOf" srcId="{CC098EE2-4D55-4C7D-8792-1F0387318DF3}" destId="{A28EFB82-D285-4359-9C9A-F3042F6C8CFA}" srcOrd="0" destOrd="1" presId="urn:microsoft.com/office/officeart/2005/8/layout/vList2"/>
     <dgm:cxn modelId="{1B707F1B-1949-410B-A684-ACFC6F9294C1}" type="presOf" srcId="{C64BC977-182F-4D83-AE25-BF44B3370B79}" destId="{9DD518BC-8D07-4A6C-ADB5-C3F1E841D81D}" srcOrd="0" destOrd="0" presId="urn:microsoft.com/office/officeart/2005/8/layout/vList2"/>
-    <dgm:cxn modelId="{94CBD61D-31B9-4620-B7B5-05D72344ED2D}" srcId="{A822F659-3CB0-445E-AEF5-1F974B32D8F7}" destId="{CC098EE2-4D55-4C7D-8792-1F0387318DF3}" srcOrd="1" destOrd="0" parTransId="{98EF198B-8D50-4016-BD84-C8E958E0F4CF}" sibTransId="{0D1AE3B0-8359-43DC-9928-D5CFA94970FE}"/>
+    <dgm:cxn modelId="{031E2624-8120-4530-827C-C0AAA420716F}" srcId="{B0BF85D7-6EE0-4374-90EA-3A6DAD8791E8}" destId="{42D3B941-7805-4DBD-8BA5-C744DFDF1A67}" srcOrd="0" destOrd="0" parTransId="{569082D2-F416-46F0-AA34-CDABA4E9615B}" sibTransId="{0FF83250-B6AA-40BE-97C0-9D16667D699C}"/>
     <dgm:cxn modelId="{CE754B2E-AE4E-49D3-B7E3-E295448A90BF}" srcId="{4F7D12EE-6C61-42F2-82AB-B1D932C59ADD}" destId="{C64BC977-182F-4D83-AE25-BF44B3370B79}" srcOrd="0" destOrd="0" parTransId="{B1515116-AF8E-4A7A-8832-93B33DEFBE84}" sibTransId="{0C6CE907-C329-4B2A-BA06-39F4A0238AC9}"/>
-    <dgm:cxn modelId="{E778B532-E79A-43C3-ADD7-BFEED1B889E8}" srcId="{A822F659-3CB0-445E-AEF5-1F974B32D8F7}" destId="{86DE0E56-080D-4B88-9E71-DA788DCDE75C}" srcOrd="0" destOrd="0" parTransId="{AB54B169-3140-4C2E-A841-B4B352C1C7CD}" sibTransId="{CE3AD38B-9B0A-41F8-9078-E35F3348CC70}"/>
-    <dgm:cxn modelId="{CA13D542-BCBA-4D11-A985-E1EF30A5E3B6}" type="presOf" srcId="{86DE0E56-080D-4B88-9E71-DA788DCDE75C}" destId="{A28EFB82-D285-4359-9C9A-F3042F6C8CFA}" srcOrd="0" destOrd="0" presId="urn:microsoft.com/office/officeart/2005/8/layout/vList2"/>
+    <dgm:cxn modelId="{93CB4140-4D51-4E4C-B123-358143C291A6}" srcId="{A822F659-3CB0-445E-AEF5-1F974B32D8F7}" destId="{6613BA33-1F05-406D-9163-F181E4C9090D}" srcOrd="0" destOrd="0" parTransId="{63E563C4-5D85-4D8D-B16D-1B96268D85FB}" sibTransId="{0B297500-3A5B-4C1E-A67B-2F1AAD75DD02}"/>
+    <dgm:cxn modelId="{6F9BA284-52D7-4DF9-9787-D4F49986A7B6}" type="presOf" srcId="{B0BF85D7-6EE0-4374-90EA-3A6DAD8791E8}" destId="{4B737DFF-6B07-49AD-B2D4-B64F0337EB8E}" srcOrd="0" destOrd="0" presId="urn:microsoft.com/office/officeart/2005/8/layout/vList2"/>
+    <dgm:cxn modelId="{AED9B7A2-E2B1-42F6-9DE1-65828DAD8E9F}" type="presOf" srcId="{42D3B941-7805-4DBD-8BA5-C744DFDF1A67}" destId="{133125C8-8256-4FEC-A610-2CE4860A81B0}" srcOrd="0" destOrd="0" presId="urn:microsoft.com/office/officeart/2005/8/layout/vList2"/>
+    <dgm:cxn modelId="{15D7F0AD-879A-4A40-A8C7-4D4B68C2FF7C}" srcId="{4F7D12EE-6C61-42F2-82AB-B1D932C59ADD}" destId="{B0BF85D7-6EE0-4374-90EA-3A6DAD8791E8}" srcOrd="2" destOrd="0" parTransId="{5A38E594-F47A-4DEA-98F6-3CC17D2CB660}" sibTransId="{777253D9-BA61-445C-AAF7-0E8AED2C2E70}"/>
     <dgm:cxn modelId="{6C82E0B7-01E6-402E-91A5-EECA320DD8B6}" type="presOf" srcId="{3543483F-15D9-464D-A2A6-88AE40805DD4}" destId="{092C133E-578D-49CE-810B-5494DC97041F}" srcOrd="0" destOrd="0" presId="urn:microsoft.com/office/officeart/2005/8/layout/vList2"/>
     <dgm:cxn modelId="{C91EF2BD-3471-42AF-8AF4-CEFBB105C39F}" srcId="{4F7D12EE-6C61-42F2-82AB-B1D932C59ADD}" destId="{A822F659-3CB0-445E-AEF5-1F974B32D8F7}" srcOrd="1" destOrd="0" parTransId="{8989AD47-532C-44EF-B7C5-0305B8B0AB93}" sibTransId="{ABBB8DA4-EA29-4A74-9726-7EC3A41641E7}"/>
     <dgm:cxn modelId="{F1A682DF-F157-4B3F-8D5A-BD5BC00D542C}" type="presOf" srcId="{4F7D12EE-6C61-42F2-82AB-B1D932C59ADD}" destId="{C29602F8-2DD6-48ED-B831-B07C49866FEF}" srcOrd="0" destOrd="0" presId="urn:microsoft.com/office/officeart/2005/8/layout/vList2"/>
     <dgm:cxn modelId="{BF76367C-4CAB-4229-A6E6-F7CFE35FE1C9}" type="presParOf" srcId="{C29602F8-2DD6-48ED-B831-B07C49866FEF}" destId="{9DD518BC-8D07-4A6C-ADB5-C3F1E841D81D}" srcOrd="0" destOrd="0" presId="urn:microsoft.com/office/officeart/2005/8/layout/vList2"/>
     <dgm:cxn modelId="{5BF5F759-33ED-4E93-9F8A-3535D60FCF6C}" type="presParOf" srcId="{C29602F8-2DD6-48ED-B831-B07C49866FEF}" destId="{092C133E-578D-49CE-810B-5494DC97041F}" srcOrd="1" destOrd="0" presId="urn:microsoft.com/office/officeart/2005/8/layout/vList2"/>
     <dgm:cxn modelId="{BFC79320-DB01-41F0-BBC2-B829153C35C4}" type="presParOf" srcId="{C29602F8-2DD6-48ED-B831-B07C49866FEF}" destId="{CE2EBFA5-23B1-4617-AD98-9E0835096CCA}" srcOrd="2" destOrd="0" presId="urn:microsoft.com/office/officeart/2005/8/layout/vList2"/>
-    <dgm:cxn modelId="{F9330D2F-6CAF-4FE5-B297-FDD2581A8504}" type="presParOf" srcId="{C29602F8-2DD6-48ED-B831-B07C49866FEF}" destId="{A28EFB82-D285-4359-9C9A-F3042F6C8CFA}" srcOrd="3" destOrd="0" presId="urn:microsoft.com/office/officeart/2005/8/layout/vList2"/>
+    <dgm:cxn modelId="{16B2E0AB-608C-474C-BDD0-4DF8CA5AF2DD}" type="presParOf" srcId="{C29602F8-2DD6-48ED-B831-B07C49866FEF}" destId="{322DE7B2-9420-4A01-8081-70D997895A60}" srcOrd="3" destOrd="0" presId="urn:microsoft.com/office/officeart/2005/8/layout/vList2"/>
+    <dgm:cxn modelId="{97897E65-B378-4436-AFA4-C4F68165DFB9}" type="presParOf" srcId="{C29602F8-2DD6-48ED-B831-B07C49866FEF}" destId="{4B737DFF-6B07-49AD-B2D4-B64F0337EB8E}" srcOrd="4" destOrd="0" presId="urn:microsoft.com/office/officeart/2005/8/layout/vList2"/>
+    <dgm:cxn modelId="{3AD6C421-EB13-4AAE-A3E4-636F2137AC7F}" type="presParOf" srcId="{C29602F8-2DD6-48ED-B831-B07C49866FEF}" destId="{133125C8-8256-4FEC-A610-2CE4860A81B0}" srcOrd="5" destOrd="0" presId="urn:microsoft.com/office/officeart/2005/8/layout/vList2"/>
   </dgm:cxnLst>
   <dgm:bg/>
   <dgm:whole/>
@@ -8303,8 +8362,8 @@
       </dsp:nvSpPr>
       <dsp:spPr>
         <a:xfrm>
-          <a:off x="0" y="20249"/>
-          <a:ext cx="10358437" cy="863460"/>
+          <a:off x="0" y="51738"/>
+          <a:ext cx="10358437" cy="743535"/>
         </a:xfrm>
         <a:prstGeom prst="roundRect">
           <a:avLst/>
@@ -8346,12 +8405,12 @@
         </a:fontRef>
       </dsp:style>
       <dsp:txBody>
-        <a:bodyPr spcFirstLastPara="0" vert="horz" wrap="square" lIns="137160" tIns="137160" rIns="137160" bIns="137160" numCol="1" spcCol="1270" anchor="ctr" anchorCtr="0">
+        <a:bodyPr spcFirstLastPara="0" vert="horz" wrap="square" lIns="118110" tIns="118110" rIns="118110" bIns="118110" numCol="1" spcCol="1270" anchor="ctr" anchorCtr="0">
           <a:noAutofit/>
         </a:bodyPr>
         <a:lstStyle/>
         <a:p>
-          <a:pPr marL="0" lvl="0" indent="0" algn="l" defTabSz="1600200">
+          <a:pPr marL="0" lvl="0" indent="0" algn="l" defTabSz="1377950">
             <a:lnSpc>
               <a:spcPct val="90000"/>
             </a:lnSpc>
@@ -8364,14 +8423,14 @@
             <a:buNone/>
           </a:pPr>
           <a:r>
-            <a:rPr lang="en-US" sz="3600" kern="1200" dirty="0"/>
+            <a:rPr lang="en-US" sz="3100" kern="1200" dirty="0"/>
             <a:t>Python</a:t>
           </a:r>
         </a:p>
       </dsp:txBody>
       <dsp:txXfrm>
-        <a:off x="42151" y="62400"/>
-        <a:ext cx="10274135" cy="779158"/>
+        <a:off x="36296" y="88034"/>
+        <a:ext cx="10285845" cy="670943"/>
       </dsp:txXfrm>
     </dsp:sp>
     <dsp:sp modelId="{092C133E-578D-49CE-810B-5494DC97041F}">
@@ -8381,8 +8440,8 @@
       </dsp:nvSpPr>
       <dsp:spPr>
         <a:xfrm>
-          <a:off x="0" y="883709"/>
-          <a:ext cx="10358437" cy="596160"/>
+          <a:off x="0" y="795273"/>
+          <a:ext cx="10358437" cy="513360"/>
         </a:xfrm>
         <a:prstGeom prst="rect">
           <a:avLst/>
@@ -8406,12 +8465,12 @@
         <a:fontRef idx="minor"/>
       </dsp:style>
       <dsp:txBody>
-        <a:bodyPr spcFirstLastPara="0" vert="horz" wrap="square" lIns="328880" tIns="45720" rIns="256032" bIns="45720" numCol="1" spcCol="1270" anchor="t" anchorCtr="0">
+        <a:bodyPr spcFirstLastPara="0" vert="horz" wrap="square" lIns="328880" tIns="39370" rIns="220472" bIns="39370" numCol="1" spcCol="1270" anchor="t" anchorCtr="0">
           <a:noAutofit/>
         </a:bodyPr>
         <a:lstStyle/>
         <a:p>
-          <a:pPr marL="285750" lvl="1" indent="-285750" algn="l" defTabSz="1244600">
+          <a:pPr marL="228600" lvl="1" indent="-228600" algn="l" defTabSz="1066800">
             <a:lnSpc>
               <a:spcPct val="90000"/>
             </a:lnSpc>
@@ -8424,23 +8483,23 @@
             <a:buChar char="•"/>
           </a:pPr>
           <a:r>
-            <a:rPr lang="en-US" sz="2800" kern="1200" dirty="0"/>
+            <a:rPr lang="en-US" sz="2400" kern="1200" dirty="0"/>
             <a:t>Download the </a:t>
           </a:r>
           <a:r>
-            <a:rPr lang="en-US" sz="2800" b="1" kern="1200" dirty="0"/>
+            <a:rPr lang="en-US" sz="2400" b="1" kern="1200" dirty="0"/>
             <a:t>Python</a:t>
           </a:r>
           <a:r>
-            <a:rPr lang="en-US" sz="2800" b="0" kern="1200" dirty="0"/>
+            <a:rPr lang="en-US" sz="2400" b="0" kern="1200" dirty="0"/>
             <a:t> extension in the VS Code browser.</a:t>
           </a:r>
-          <a:endParaRPr lang="en-US" sz="2800" kern="1200" dirty="0"/>
+          <a:endParaRPr lang="en-US" sz="2400" kern="1200" dirty="0"/>
         </a:p>
       </dsp:txBody>
       <dsp:txXfrm>
-        <a:off x="0" y="883709"/>
-        <a:ext cx="10358437" cy="596160"/>
+        <a:off x="0" y="795273"/>
+        <a:ext cx="10358437" cy="513360"/>
       </dsp:txXfrm>
     </dsp:sp>
     <dsp:sp modelId="{CE2EBFA5-23B1-4617-AD98-9E0835096CCA}">
@@ -8450,8 +8509,8 @@
       </dsp:nvSpPr>
       <dsp:spPr>
         <a:xfrm>
-          <a:off x="0" y="1479869"/>
-          <a:ext cx="10358437" cy="863460"/>
+          <a:off x="0" y="1308633"/>
+          <a:ext cx="10358437" cy="743535"/>
         </a:xfrm>
         <a:prstGeom prst="roundRect">
           <a:avLst/>
@@ -8493,12 +8552,12 @@
         </a:fontRef>
       </dsp:style>
       <dsp:txBody>
-        <a:bodyPr spcFirstLastPara="0" vert="horz" wrap="square" lIns="137160" tIns="137160" rIns="137160" bIns="137160" numCol="1" spcCol="1270" anchor="ctr" anchorCtr="0">
+        <a:bodyPr spcFirstLastPara="0" vert="horz" wrap="square" lIns="118110" tIns="118110" rIns="118110" bIns="118110" numCol="1" spcCol="1270" anchor="ctr" anchorCtr="0">
           <a:noAutofit/>
         </a:bodyPr>
         <a:lstStyle/>
         <a:p>
-          <a:pPr marL="0" lvl="0" indent="0" algn="l" defTabSz="1600200">
+          <a:pPr marL="0" lvl="0" indent="0" algn="l" defTabSz="1377950">
             <a:lnSpc>
               <a:spcPct val="90000"/>
             </a:lnSpc>
@@ -8511,25 +8570,25 @@
             <a:buNone/>
           </a:pPr>
           <a:r>
-            <a:rPr lang="en-US" sz="3600" kern="1200" dirty="0"/>
-            <a:t>C++ and Fortran</a:t>
+            <a:rPr lang="en-US" sz="3100" kern="1200" dirty="0"/>
+            <a:t>C++</a:t>
           </a:r>
         </a:p>
       </dsp:txBody>
       <dsp:txXfrm>
-        <a:off x="42151" y="1522020"/>
-        <a:ext cx="10274135" cy="779158"/>
+        <a:off x="36296" y="1344929"/>
+        <a:ext cx="10285845" cy="670943"/>
       </dsp:txXfrm>
     </dsp:sp>
-    <dsp:sp modelId="{A28EFB82-D285-4359-9C9A-F3042F6C8CFA}">
+    <dsp:sp modelId="{322DE7B2-9420-4A01-8081-70D997895A60}">
       <dsp:nvSpPr>
         <dsp:cNvPr id="0" name=""/>
         <dsp:cNvSpPr/>
       </dsp:nvSpPr>
       <dsp:spPr>
         <a:xfrm>
-          <a:off x="0" y="2343330"/>
-          <a:ext cx="10358437" cy="1751220"/>
+          <a:off x="0" y="2052168"/>
+          <a:ext cx="10358437" cy="753997"/>
         </a:xfrm>
         <a:prstGeom prst="rect">
           <a:avLst/>
@@ -8553,12 +8612,12 @@
         <a:fontRef idx="minor"/>
       </dsp:style>
       <dsp:txBody>
-        <a:bodyPr spcFirstLastPara="0" vert="horz" wrap="square" lIns="328880" tIns="45720" rIns="256032" bIns="45720" numCol="1" spcCol="1270" anchor="t" anchorCtr="0">
+        <a:bodyPr spcFirstLastPara="0" vert="horz" wrap="square" lIns="328880" tIns="39370" rIns="220472" bIns="39370" numCol="1" spcCol="1270" anchor="t" anchorCtr="0">
           <a:noAutofit/>
         </a:bodyPr>
         <a:lstStyle/>
         <a:p>
-          <a:pPr marL="285750" lvl="1" indent="-285750" algn="l" defTabSz="1244600">
+          <a:pPr marL="228600" lvl="1" indent="-228600" algn="l" defTabSz="1066800">
             <a:lnSpc>
               <a:spcPct val="90000"/>
             </a:lnSpc>
@@ -8571,12 +8630,132 @@
             <a:buChar char="•"/>
           </a:pPr>
           <a:r>
-            <a:rPr lang="en-US" sz="2800" kern="1200" dirty="0"/>
-            <a:t>Download the GNU Compiler found at https://gcc.gnu.org/</a:t>
+            <a:rPr lang="en-US" sz="2400" kern="1200" dirty="0"/>
+            <a:t>https://www.freecodecamp.org/news/how-to-install-c-and-cpp-compiler-on-windows/</a:t>
           </a:r>
         </a:p>
+      </dsp:txBody>
+      <dsp:txXfrm>
+        <a:off x="0" y="2052168"/>
+        <a:ext cx="10358437" cy="753997"/>
+      </dsp:txXfrm>
+    </dsp:sp>
+    <dsp:sp modelId="{4B737DFF-6B07-49AD-B2D4-B64F0337EB8E}">
+      <dsp:nvSpPr>
+        <dsp:cNvPr id="0" name=""/>
+        <dsp:cNvSpPr/>
+      </dsp:nvSpPr>
+      <dsp:spPr>
+        <a:xfrm>
+          <a:off x="0" y="2806166"/>
+          <a:ext cx="10358437" cy="743535"/>
+        </a:xfrm>
+        <a:prstGeom prst="roundRect">
+          <a:avLst/>
+        </a:prstGeom>
+        <a:solidFill>
+          <a:schemeClr val="accent1">
+            <a:hueOff val="0"/>
+            <a:satOff val="0"/>
+            <a:lumOff val="0"/>
+            <a:alphaOff val="0"/>
+          </a:schemeClr>
+        </a:solidFill>
+        <a:ln w="12700" cap="flat" cmpd="sng" algn="ctr">
+          <a:solidFill>
+            <a:schemeClr val="lt1">
+              <a:hueOff val="0"/>
+              <a:satOff val="0"/>
+              <a:lumOff val="0"/>
+              <a:alphaOff val="0"/>
+            </a:schemeClr>
+          </a:solidFill>
+          <a:prstDash val="solid"/>
+          <a:miter lim="800000"/>
+        </a:ln>
+        <a:effectLst/>
+      </dsp:spPr>
+      <dsp:style>
+        <a:lnRef idx="2">
+          <a:scrgbClr r="0" g="0" b="0"/>
+        </a:lnRef>
+        <a:fillRef idx="1">
+          <a:scrgbClr r="0" g="0" b="0"/>
+        </a:fillRef>
+        <a:effectRef idx="0">
+          <a:scrgbClr r="0" g="0" b="0"/>
+        </a:effectRef>
+        <a:fontRef idx="minor">
+          <a:schemeClr val="lt1"/>
+        </a:fontRef>
+      </dsp:style>
+      <dsp:txBody>
+        <a:bodyPr spcFirstLastPara="0" vert="horz" wrap="square" lIns="118110" tIns="118110" rIns="118110" bIns="118110" numCol="1" spcCol="1270" anchor="ctr" anchorCtr="0">
+          <a:noAutofit/>
+        </a:bodyPr>
+        <a:lstStyle/>
         <a:p>
-          <a:pPr marL="285750" lvl="1" indent="-285750" algn="l" defTabSz="1244600">
+          <a:pPr marL="0" lvl="0" indent="0" algn="l" defTabSz="1377950">
+            <a:lnSpc>
+              <a:spcPct val="90000"/>
+            </a:lnSpc>
+            <a:spcBef>
+              <a:spcPct val="0"/>
+            </a:spcBef>
+            <a:spcAft>
+              <a:spcPct val="35000"/>
+            </a:spcAft>
+            <a:buNone/>
+          </a:pPr>
+          <a:r>
+            <a:rPr lang="en-US" sz="3100" kern="1200" dirty="0"/>
+            <a:t>Fortran</a:t>
+          </a:r>
+        </a:p>
+      </dsp:txBody>
+      <dsp:txXfrm>
+        <a:off x="36296" y="2842462"/>
+        <a:ext cx="10285845" cy="670943"/>
+      </dsp:txXfrm>
+    </dsp:sp>
+    <dsp:sp modelId="{133125C8-8256-4FEC-A610-2CE4860A81B0}">
+      <dsp:nvSpPr>
+        <dsp:cNvPr id="0" name=""/>
+        <dsp:cNvSpPr/>
+      </dsp:nvSpPr>
+      <dsp:spPr>
+        <a:xfrm>
+          <a:off x="0" y="3549701"/>
+          <a:ext cx="10358437" cy="513360"/>
+        </a:xfrm>
+        <a:prstGeom prst="rect">
+          <a:avLst/>
+        </a:prstGeom>
+        <a:noFill/>
+        <a:ln>
+          <a:noFill/>
+        </a:ln>
+        <a:effectLst/>
+      </dsp:spPr>
+      <dsp:style>
+        <a:lnRef idx="0">
+          <a:scrgbClr r="0" g="0" b="0"/>
+        </a:lnRef>
+        <a:fillRef idx="0">
+          <a:scrgbClr r="0" g="0" b="0"/>
+        </a:fillRef>
+        <a:effectRef idx="0">
+          <a:scrgbClr r="0" g="0" b="0"/>
+        </a:effectRef>
+        <a:fontRef idx="minor"/>
+      </dsp:style>
+      <dsp:txBody>
+        <a:bodyPr spcFirstLastPara="0" vert="horz" wrap="square" lIns="328880" tIns="39370" rIns="220472" bIns="39370" numCol="1" spcCol="1270" anchor="t" anchorCtr="0">
+          <a:noAutofit/>
+        </a:bodyPr>
+        <a:lstStyle/>
+        <a:p>
+          <a:pPr marL="228600" lvl="1" indent="-228600" algn="l" defTabSz="1066800">
             <a:lnSpc>
               <a:spcPct val="90000"/>
             </a:lnSpc>
@@ -8589,14 +8768,14 @@
             <a:buChar char="•"/>
           </a:pPr>
           <a:r>
-            <a:rPr lang="en-US" sz="2800" kern="1200" dirty="0"/>
-            <a:t>Download the syntax highlighter in VS Code for your language.</a:t>
+            <a:rPr lang="en-US" sz="2400" kern="1200" dirty="0"/>
+            <a:t>https://fortran-lang.org/learn/os_setup/install_gfortran/</a:t>
           </a:r>
         </a:p>
       </dsp:txBody>
       <dsp:txXfrm>
-        <a:off x="0" y="2343330"/>
-        <a:ext cx="10358437" cy="1751220"/>
+        <a:off x="0" y="3549701"/>
+        <a:ext cx="10358437" cy="513360"/>
       </dsp:txXfrm>
     </dsp:sp>
   </dsp:spTree>
@@ -27974,7 +28153,7 @@
             <p:ph idx="1"/>
             <p:extLst>
               <p:ext uri="{D42A27DB-BD31-4B8C-83A1-F6EECF244321}">
-                <p14:modId xmlns:p14="http://schemas.microsoft.com/office/powerpoint/2010/main" val="2540197247"/>
+                <p14:modId xmlns:p14="http://schemas.microsoft.com/office/powerpoint/2010/main" val="2167298644"/>
               </p:ext>
             </p:extLst>
           </p:nvPr>
